--- a/fcn_geometry_find_slope_intercept_from_N_points.pptx
+++ b/fcn_geometry_find_slope_intercept_from_N_points.pptx
@@ -6046,7 +6046,7 @@
               <a:buNone/>
             </a:pPr>
             <a:r>
-              <a:rPr lang="en-US"/>
+              <a:rPr lang="en-US" dirty="0"/>
               <a:t>conditions is handled separately in the code for speed.</a:t>
             </a:r>
           </a:p>
@@ -6054,7 +6054,7 @@
             <a:pPr marL="0" indent="0">
               <a:buNone/>
             </a:pPr>
-            <a:endParaRPr lang="en-US"/>
+            <a:endParaRPr lang="en-US" dirty="0"/>
           </a:p>
         </p:txBody>
       </p:sp>
